--- a/PPTs/01 Build & Setup.pptx
+++ b/PPTs/01 Build & Setup.pptx
@@ -239,10 +239,6 @@
 </p:presentation>
 </file>
 
-<file path=ppt/revisionInfo.xml><?xml version="1.0" encoding="utf-8"?>
-<p1510:revInfo xmlns:a="http://schemas.openxmlformats.org/drawingml/2006/main" xmlns:r="http://schemas.openxmlformats.org/officeDocument/2006/relationships" xmlns:p1510="http://schemas.microsoft.com/office/powerpoint/2015/10/main"/>
-</file>
-
 <file path=ppt/notesMasters/notesMaster1.xml><?xml version="1.0" encoding="utf-8"?>
 <p:notesMaster xmlns:a="http://schemas.openxmlformats.org/drawingml/2006/main" xmlns:r="http://schemas.openxmlformats.org/officeDocument/2006/relationships" xmlns:p="http://schemas.openxmlformats.org/presentationml/2006/main">
   <p:cSld>
@@ -326,7 +322,7 @@
             <a:fld id="{4991502B-FFA8-47B9-B4E5-980CA415BAFF}" type="datetimeFigureOut">
               <a:rPr lang="en-US" smtClean="0"/>
               <a:pPr/>
-              <a:t>12/2/2017</a:t>
+              <a:t>5/8/2018</a:t>
             </a:fld>
             <a:endParaRPr lang="en-US"/>
           </a:p>
@@ -4584,19 +4580,19 @@
           <a:p>
             <a:r>
               <a:rPr lang="en-US" dirty="0"/>
-              <a:t>Two different packages (A,B) may have same dependency (C)</a:t>
-            </a:r>
-          </a:p>
-          <a:p>
-            <a:r>
-              <a:rPr lang="en-US" dirty="0"/>
-              <a:t>NPM prefer to “push” C up the directory structure so it can be shared by both</a:t>
-            </a:r>
-          </a:p>
-          <a:p>
-            <a:r>
-              <a:rPr lang="en-US" dirty="0"/>
-              <a:t>In case of A &amp; B needs different versions of C NPM keep a copy of C under B</a:t>
+              <a:t>Two different packages (A,B) may have the same dependency (C)</a:t>
+            </a:r>
+          </a:p>
+          <a:p>
+            <a:r>
+              <a:rPr lang="en-US" dirty="0"/>
+              <a:t>NPM prefers to “push” C up the directory structure so it can be shared by both</a:t>
+            </a:r>
+          </a:p>
+          <a:p>
+            <a:r>
+              <a:rPr lang="en-US" dirty="0"/>
+              <a:t>In case A &amp; B need different versions of C, NPM keeps a copy of C under B</a:t>
             </a:r>
           </a:p>
           <a:p>
@@ -4760,7 +4756,11 @@
               <a:t>C is </a:t>
             </a:r>
             <a:r>
-              <a:rPr lang="en-US" dirty="0" err="1"/>
+              <a:rPr lang="en-US" dirty="0" err="1">
+                <a:solidFill>
+                  <a:srgbClr val="FF0000"/>
+                </a:solidFill>
+              </a:rPr>
               <a:t>peerDependency</a:t>
             </a:r>
             <a:r>
@@ -6772,7 +6772,7 @@
           <a:p>
             <a:r>
               <a:rPr lang="en-US" dirty="0"/>
-              <a:t>Starting NPM 5 the performance benefit still exists but is lower</a:t>
+              <a:t>Starting NPM 5 the performance benefit still exists but is reduced</a:t>
             </a:r>
           </a:p>
           <a:p>

--- a/PPTs/01 Build & Setup.pptx
+++ b/PPTs/01 Build & Setup.pptx
@@ -322,7 +322,7 @@
             <a:fld id="{4991502B-FFA8-47B9-B4E5-980CA415BAFF}" type="datetimeFigureOut">
               <a:rPr lang="en-US" smtClean="0"/>
               <a:pPr/>
-              <a:t>5/8/2018</a:t>
+              <a:t>6/25/2018</a:t>
             </a:fld>
             <a:endParaRPr lang="en-US"/>
           </a:p>
